--- a/Half_Slide/28May_talk/28MayTalk.pptx
+++ b/Half_Slide/28May_talk/28MayTalk.pptx
@@ -5,17 +5,17 @@
     <p:sldMasterId id="2147483685" r:id="rId1"/>
   </p:sldMasterIdLst>
   <p:notesMasterIdLst>
-    <p:notesMasterId r:id="rId20"/>
+    <p:notesMasterId r:id="rId19"/>
   </p:notesMasterIdLst>
   <p:handoutMasterIdLst>
-    <p:handoutMasterId r:id="rId21"/>
+    <p:handoutMasterId r:id="rId20"/>
   </p:handoutMasterIdLst>
   <p:sldIdLst>
     <p:sldId id="280" r:id="rId2"/>
-    <p:sldId id="407" r:id="rId3"/>
-    <p:sldId id="425" r:id="rId4"/>
-    <p:sldId id="408" r:id="rId5"/>
-    <p:sldId id="409" r:id="rId6"/>
+    <p:sldId id="427" r:id="rId3"/>
+    <p:sldId id="426" r:id="rId4"/>
+    <p:sldId id="425" r:id="rId5"/>
+    <p:sldId id="408" r:id="rId6"/>
     <p:sldId id="410" r:id="rId7"/>
     <p:sldId id="422" r:id="rId8"/>
     <p:sldId id="414" r:id="rId9"/>
@@ -26,9 +26,8 @@
     <p:sldId id="415" r:id="rId14"/>
     <p:sldId id="424" r:id="rId15"/>
     <p:sldId id="416" r:id="rId16"/>
-    <p:sldId id="417" r:id="rId17"/>
-    <p:sldId id="419" r:id="rId18"/>
-    <p:sldId id="421" r:id="rId19"/>
+    <p:sldId id="428" r:id="rId17"/>
+    <p:sldId id="421" r:id="rId18"/>
   </p:sldIdLst>
   <p:sldSz cx="9144000" cy="6858000" type="screen4x3"/>
   <p:notesSz cx="7099300" cy="10234613"/>
@@ -3209,7 +3208,7 @@
             <a:fld id="{5A21F359-8588-461F-A388-6D577DB94B39}" type="datetimeFigureOut">
               <a:rPr lang="en-GB" smtClean="0"/>
               <a:pPr/>
-              <a:t>5/27/14</a:t>
+              <a:t>5/28/14</a:t>
             </a:fld>
             <a:endParaRPr lang="en-GB"/>
           </a:p>
@@ -5786,8 +5785,32 @@
                 <a:latin typeface="Tahoma" pitchFamily="34" charset="0"/>
                 <a:cs typeface="Tahoma" pitchFamily="34" charset="0"/>
               </a:rPr>
-              <a:t> Vahabi</a:t>
+              <a:t> </a:t>
             </a:r>
+            <a:r>
+              <a:rPr lang="en-GB" dirty="0" err="1" smtClean="0">
+                <a:latin typeface="Tahoma" pitchFamily="34" charset="0"/>
+                <a:cs typeface="Tahoma" pitchFamily="34" charset="0"/>
+              </a:rPr>
+              <a:t>Vahabi</a:t>
+            </a:r>
+            <a:endParaRPr lang="en-GB" dirty="0" smtClean="0">
+              <a:latin typeface="Tahoma" pitchFamily="34" charset="0"/>
+              <a:cs typeface="Tahoma" pitchFamily="34" charset="0"/>
+            </a:endParaRPr>
+          </a:p>
+          <a:p>
+            <a:r>
+              <a:rPr lang="en-GB" dirty="0" err="1" smtClean="0">
+                <a:latin typeface="Tahoma" pitchFamily="34" charset="0"/>
+                <a:cs typeface="Tahoma" pitchFamily="34" charset="0"/>
+              </a:rPr>
+              <a:t>MRes</a:t>
+            </a:r>
+            <a:endParaRPr lang="en-GB" dirty="0" smtClean="0">
+              <a:latin typeface="Tahoma" pitchFamily="34" charset="0"/>
+              <a:cs typeface="Tahoma" pitchFamily="34" charset="0"/>
+            </a:endParaRPr>
           </a:p>
         </p:txBody>
       </p:sp>
@@ -6689,7 +6712,7 @@
           <a:p>
             <a:r>
               <a:rPr lang="en-US" dirty="0" smtClean="0"/>
-              <a:t>Numerical Simulation</a:t>
+              <a:t> Simulation Methods</a:t>
             </a:r>
             <a:endParaRPr lang="en-US" dirty="0"/>
           </a:p>
@@ -6882,7 +6905,7 @@
           <a:p>
             <a:r>
               <a:rPr lang="en-US" dirty="0" smtClean="0"/>
-              <a:t>Simulation Result</a:t>
+              <a:t>Fabrication</a:t>
             </a:r>
             <a:endParaRPr lang="en-US" dirty="0"/>
           </a:p>
@@ -6903,10 +6926,114 @@
           <a:bodyPr/>
           <a:lstStyle/>
           <a:p>
+            <a:r>
+              <a:rPr lang="en-US" dirty="0" err="1" smtClean="0"/>
+              <a:t>Nanoscribe</a:t>
+            </a:r>
+            <a:r>
+              <a:rPr lang="en-US" dirty="0" smtClean="0"/>
+              <a:t> technology</a:t>
+            </a:r>
             <a:endParaRPr lang="en-US" dirty="0"/>
           </a:p>
         </p:txBody>
       </p:sp>
+      <p:pic>
+        <p:nvPicPr>
+          <p:cNvPr id="4" name="Picture 3" descr="Screen Shot 2014-05-28 at 00.32.25.png"/>
+          <p:cNvPicPr>
+            <a:picLocks noChangeAspect="1"/>
+          </p:cNvPicPr>
+          <p:nvPr/>
+        </p:nvPicPr>
+        <p:blipFill>
+          <a:blip r:embed="rId2"/>
+          <a:stretch>
+            <a:fillRect/>
+          </a:stretch>
+        </p:blipFill>
+        <p:spPr>
+          <a:xfrm>
+            <a:off x="4572000" y="1295400"/>
+            <a:ext cx="3124200" cy="2164881"/>
+          </a:xfrm>
+          <a:prstGeom prst="rect">
+            <a:avLst/>
+          </a:prstGeom>
+        </p:spPr>
+      </p:pic>
+      <p:pic>
+        <p:nvPicPr>
+          <p:cNvPr id="5" name="Picture 4" descr="Screen Shot 2014-05-28 at 00.32.08.png"/>
+          <p:cNvPicPr>
+            <a:picLocks noChangeAspect="1"/>
+          </p:cNvPicPr>
+          <p:nvPr/>
+        </p:nvPicPr>
+        <p:blipFill>
+          <a:blip r:embed="rId3"/>
+          <a:stretch>
+            <a:fillRect/>
+          </a:stretch>
+        </p:blipFill>
+        <p:spPr>
+          <a:xfrm>
+            <a:off x="5334000" y="3810000"/>
+            <a:ext cx="1435100" cy="2425700"/>
+          </a:xfrm>
+          <a:prstGeom prst="rect">
+            <a:avLst/>
+          </a:prstGeom>
+        </p:spPr>
+      </p:pic>
+      <p:pic>
+        <p:nvPicPr>
+          <p:cNvPr id="6" name="Picture 5" descr="Screen Shot 2014-05-28 at 00.31.13.png"/>
+          <p:cNvPicPr>
+            <a:picLocks noChangeAspect="1"/>
+          </p:cNvPicPr>
+          <p:nvPr/>
+        </p:nvPicPr>
+        <p:blipFill>
+          <a:blip r:embed="rId4"/>
+          <a:stretch>
+            <a:fillRect/>
+          </a:stretch>
+        </p:blipFill>
+        <p:spPr>
+          <a:xfrm>
+            <a:off x="1219200" y="3810000"/>
+            <a:ext cx="3149600" cy="2356535"/>
+          </a:xfrm>
+          <a:prstGeom prst="rect">
+            <a:avLst/>
+          </a:prstGeom>
+        </p:spPr>
+      </p:pic>
+      <p:pic>
+        <p:nvPicPr>
+          <p:cNvPr id="7" name="Picture 6" descr="Screen Shot 2014-05-28 at 00.30.58.png"/>
+          <p:cNvPicPr>
+            <a:picLocks noChangeAspect="1"/>
+          </p:cNvPicPr>
+          <p:nvPr/>
+        </p:nvPicPr>
+        <p:blipFill>
+          <a:blip r:embed="rId5"/>
+          <a:stretch>
+            <a:fillRect/>
+          </a:stretch>
+        </p:blipFill>
+        <p:spPr>
+          <a:xfrm>
+            <a:off x="1524000" y="2057400"/>
+            <a:ext cx="2339915" cy="1600200"/>
+          </a:xfrm>
+          <a:prstGeom prst="rect">
+            <a:avLst/>
+          </a:prstGeom>
+        </p:spPr>
+      </p:pic>
     </p:spTree>
   </p:cSld>
   <p:clrMapOvr>
@@ -6949,94 +7076,6 @@
             <p:ph type="title"/>
           </p:nvPr>
         </p:nvSpPr>
-        <p:spPr/>
-        <p:txBody>
-          <a:bodyPr/>
-          <a:lstStyle/>
-          <a:p>
-            <a:r>
-              <a:rPr lang="en-US" dirty="0" smtClean="0"/>
-              <a:t>Fabrication </a:t>
-            </a:r>
-            <a:endParaRPr lang="en-US" dirty="0"/>
-          </a:p>
-        </p:txBody>
-      </p:sp>
-      <p:sp>
-        <p:nvSpPr>
-          <p:cNvPr id="3" name="Content Placeholder 2"/>
-          <p:cNvSpPr>
-            <a:spLocks noGrp="1"/>
-          </p:cNvSpPr>
-          <p:nvPr>
-            <p:ph idx="1"/>
-          </p:nvPr>
-        </p:nvSpPr>
-        <p:spPr/>
-        <p:txBody>
-          <a:bodyPr/>
-          <a:lstStyle/>
-          <a:p>
-            <a:r>
-              <a:rPr lang="en-US" dirty="0" smtClean="0"/>
-              <a:t>Lithography </a:t>
-            </a:r>
-          </a:p>
-          <a:p>
-            <a:r>
-              <a:rPr lang="en-US" dirty="0" smtClean="0"/>
-              <a:t>Training with </a:t>
-            </a:r>
-            <a:r>
-              <a:rPr lang="en-US" dirty="0" err="1" smtClean="0"/>
-              <a:t>nanoscribe</a:t>
-            </a:r>
-            <a:endParaRPr lang="en-US" dirty="0"/>
-          </a:p>
-        </p:txBody>
-      </p:sp>
-    </p:spTree>
-  </p:cSld>
-  <p:clrMapOvr>
-    <a:masterClrMapping/>
-  </p:clrMapOvr>
-  <p:timing>
-    <p:tnLst>
-      <p:par>
-        <p:cTn id="1" dur="indefinite" restart="never" nodeType="tmRoot"/>
-      </p:par>
-    </p:tnLst>
-  </p:timing>
-</p:sld>
-</file>
-
-<file path=ppt/slides/slide18.xml><?xml version="1.0" encoding="utf-8"?>
-<p:sld xmlns:a="http://schemas.openxmlformats.org/drawingml/2006/main" xmlns:r="http://schemas.openxmlformats.org/officeDocument/2006/relationships" xmlns:mc="http://schemas.openxmlformats.org/markup-compatibility/2006" xmlns:mv="urn:schemas-microsoft-com:mac:vml" xmlns:p="http://schemas.openxmlformats.org/presentationml/2006/main" mc:Ignorable="mv" mc:PreserveAttributes="mv:*">
-  <p:cSld>
-    <p:spTree>
-      <p:nvGrpSpPr>
-        <p:cNvPr id="1" name=""/>
-        <p:cNvGrpSpPr/>
-        <p:nvPr/>
-      </p:nvGrpSpPr>
-      <p:grpSpPr>
-        <a:xfrm>
-          <a:off x="0" y="0"/>
-          <a:ext cx="0" cy="0"/>
-          <a:chOff x="0" y="0"/>
-          <a:chExt cx="0" cy="0"/>
-        </a:xfrm>
-      </p:grpSpPr>
-      <p:sp>
-        <p:nvSpPr>
-          <p:cNvPr id="2" name="Title 1"/>
-          <p:cNvSpPr>
-            <a:spLocks noGrp="1"/>
-          </p:cNvSpPr>
-          <p:nvPr>
-            <p:ph type="title"/>
-          </p:nvPr>
-        </p:nvSpPr>
         <p:spPr>
           <a:xfrm>
             <a:off x="228600" y="838200"/>
@@ -7052,33 +7091,6 @@
               <a:t>			Any Question?</a:t>
             </a:r>
             <a:endParaRPr lang="en-US" dirty="0"/>
-          </a:p>
-        </p:txBody>
-      </p:sp>
-      <p:sp>
-        <p:nvSpPr>
-          <p:cNvPr id="3" name="Content Placeholder 2"/>
-          <p:cNvSpPr>
-            <a:spLocks noGrp="1"/>
-          </p:cNvSpPr>
-          <p:nvPr>
-            <p:ph idx="1"/>
-          </p:nvPr>
-        </p:nvSpPr>
-        <p:spPr>
-          <a:xfrm>
-            <a:off x="533400" y="990600"/>
-            <a:ext cx="7924800" cy="4953000"/>
-          </a:xfrm>
-        </p:spPr>
-        <p:txBody>
-          <a:bodyPr/>
-          <a:lstStyle/>
-          <a:p>
-            <a:pPr>
-              <a:buNone/>
-            </a:pPr>
-            <a:endParaRPr lang="en-US" sz="3200" dirty="0"/>
           </a:p>
         </p:txBody>
       </p:sp>
@@ -7130,14 +7142,10 @@
           <a:lstStyle/>
           <a:p>
             <a:r>
-              <a:rPr lang="en-GB" dirty="0" err="1" smtClean="0"/>
-              <a:t>Microrobot</a:t>
+              <a:rPr lang="en-US" dirty="0" smtClean="0"/>
+              <a:t>History of Swimming Microrobot</a:t>
             </a:r>
-            <a:r>
-              <a:rPr lang="en-GB" dirty="0" smtClean="0"/>
-              <a:t> and Applications</a:t>
-            </a:r>
-            <a:endParaRPr lang="en-GB" dirty="0"/>
+            <a:endParaRPr lang="en-US" dirty="0"/>
           </a:p>
         </p:txBody>
       </p:sp>
@@ -7156,19 +7164,62 @@
           <a:bodyPr/>
           <a:lstStyle/>
           <a:p>
+            <a:r>
+              <a:rPr lang="en-US" dirty="0" smtClean="0"/>
+              <a:t>At 1930 first swimming mechanism at micro scale reported</a:t>
+            </a:r>
+          </a:p>
+          <a:p>
+            <a:r>
+              <a:rPr lang="en-US" dirty="0" smtClean="0"/>
+              <a:t>‘Life at Low Reynolds Number’’ by Purcell </a:t>
+            </a:r>
+          </a:p>
+          <a:p>
             <a:pPr>
               <a:buNone/>
             </a:pPr>
-            <a:endParaRPr lang="en-GB" dirty="0" smtClean="0"/>
+            <a:r>
+              <a:rPr lang="en-US" dirty="0" smtClean="0"/>
+              <a:t> </a:t>
+            </a:r>
+          </a:p>
+          <a:p>
+            <a:endParaRPr lang="en-US" dirty="0" smtClean="0"/>
+          </a:p>
+          <a:p>
+            <a:pPr>
+              <a:buNone/>
+            </a:pPr>
+            <a:endParaRPr lang="en-US" dirty="0"/>
           </a:p>
         </p:txBody>
       </p:sp>
+      <p:pic>
+        <p:nvPicPr>
+          <p:cNvPr id="4" name="Picture 3" descr="Screen Shot 2014-05-28 at 00.09.47.png"/>
+          <p:cNvPicPr>
+            <a:picLocks noChangeAspect="1"/>
+          </p:cNvPicPr>
+          <p:nvPr/>
+        </p:nvPicPr>
+        <p:blipFill>
+          <a:blip r:embed="rId2"/>
+          <a:stretch>
+            <a:fillRect/>
+          </a:stretch>
+        </p:blipFill>
+        <p:spPr>
+          <a:xfrm>
+            <a:off x="2057400" y="2590800"/>
+            <a:ext cx="5016500" cy="3629686"/>
+          </a:xfrm>
+          <a:prstGeom prst="rect">
+            <a:avLst/>
+          </a:prstGeom>
+        </p:spPr>
+      </p:pic>
     </p:spTree>
-    <p:extLst>
-      <p:ext uri="{BB962C8B-B14F-4D97-AF65-F5344CB8AC3E}">
-        <p14:creationId xmlns:mc="http://schemas.openxmlformats.org/markup-compatibility/2006" xmlns:mv="urn:schemas-microsoft-com:mac:vml" xmlns:p14="http://schemas.microsoft.com/office/powerpoint/2010/main" xmlns:p="http://schemas.openxmlformats.org/presentationml/2006/main" xmlns:r="http://schemas.openxmlformats.org/officeDocument/2006/relationships" xmlns:a="http://schemas.openxmlformats.org/drawingml/2006/main" xmlns="" val="251620336"/>
-      </p:ext>
-    </p:extLst>
   </p:cSld>
   <p:clrMapOvr>
     <a:masterClrMapping/>
@@ -7216,8 +7267,12 @@
           <a:lstStyle/>
           <a:p>
             <a:r>
-              <a:rPr lang="en-US" dirty="0" smtClean="0"/>
-              <a:t>Microrobot Application</a:t>
+              <a:rPr lang="en-GB" dirty="0" err="1" smtClean="0"/>
+              <a:t>Microrobot</a:t>
+            </a:r>
+            <a:r>
+              <a:rPr lang="en-GB" dirty="0" smtClean="0"/>
+              <a:t> and Applications</a:t>
             </a:r>
             <a:endParaRPr lang="en-US" dirty="0"/>
           </a:p>
@@ -7240,33 +7295,216 @@
           <a:p>
             <a:r>
               <a:rPr lang="en-US" dirty="0" smtClean="0"/>
-              <a:t>Targeted Therapy</a:t>
+              <a:t>Biology</a:t>
             </a:r>
           </a:p>
           <a:p>
             <a:r>
               <a:rPr lang="en-US" dirty="0" smtClean="0"/>
-              <a:t>Manipulation</a:t>
+              <a:t>Biomedicine</a:t>
             </a:r>
           </a:p>
           <a:p>
             <a:r>
               <a:rPr lang="en-US" dirty="0" smtClean="0"/>
-              <a:t>Sensing and marking</a:t>
+              <a:t>Lab-on-a-chip</a:t>
+            </a:r>
+          </a:p>
+          <a:p>
+            <a:r>
+              <a:rPr lang="en-US" dirty="0" smtClean="0"/>
+              <a:t>Robotics</a:t>
+            </a:r>
+          </a:p>
+          <a:p>
+            <a:r>
+              <a:rPr lang="en-US" dirty="0" smtClean="0"/>
+              <a:t>…</a:t>
             </a:r>
             <a:endParaRPr lang="en-US" dirty="0"/>
           </a:p>
         </p:txBody>
       </p:sp>
+      <p:pic>
+        <p:nvPicPr>
+          <p:cNvPr id="4" name="Picture 3" descr="cell.png"/>
+          <p:cNvPicPr>
+            <a:picLocks noChangeAspect="1"/>
+          </p:cNvPicPr>
+          <p:nvPr/>
+        </p:nvPicPr>
+        <p:blipFill>
+          <a:blip r:embed="rId2"/>
+          <a:stretch>
+            <a:fillRect/>
+          </a:stretch>
+        </p:blipFill>
+        <p:spPr>
+          <a:xfrm>
+            <a:off x="3124200" y="1676400"/>
+            <a:ext cx="5410200" cy="3944808"/>
+          </a:xfrm>
+          <a:prstGeom prst="rect">
+            <a:avLst/>
+          </a:prstGeom>
+        </p:spPr>
+      </p:pic>
     </p:spTree>
   </p:cSld>
   <p:clrMapOvr>
     <a:masterClrMapping/>
   </p:clrMapOvr>
+  <p:timing>
+    <p:tnLst>
+      <p:par>
+        <p:cTn id="1" dur="indefinite" restart="never" nodeType="tmRoot"/>
+      </p:par>
+    </p:tnLst>
+  </p:timing>
 </p:sld>
 </file>
 
 <file path=ppt/slides/slide4.xml><?xml version="1.0" encoding="utf-8"?>
+<p:sld xmlns:a="http://schemas.openxmlformats.org/drawingml/2006/main" xmlns:r="http://schemas.openxmlformats.org/officeDocument/2006/relationships" xmlns:mc="http://schemas.openxmlformats.org/markup-compatibility/2006" xmlns:mv="urn:schemas-microsoft-com:mac:vml" xmlns:p="http://schemas.openxmlformats.org/presentationml/2006/main" mc:Ignorable="mv" mc:PreserveAttributes="mv:*">
+  <p:cSld>
+    <p:spTree>
+      <p:nvGrpSpPr>
+        <p:cNvPr id="1" name=""/>
+        <p:cNvGrpSpPr/>
+        <p:nvPr/>
+      </p:nvGrpSpPr>
+      <p:grpSpPr>
+        <a:xfrm>
+          <a:off x="0" y="0"/>
+          <a:ext cx="0" cy="0"/>
+          <a:chOff x="0" y="0"/>
+          <a:chExt cx="0" cy="0"/>
+        </a:xfrm>
+      </p:grpSpPr>
+      <p:sp>
+        <p:nvSpPr>
+          <p:cNvPr id="2" name="Title 1"/>
+          <p:cNvSpPr>
+            <a:spLocks noGrp="1"/>
+          </p:cNvSpPr>
+          <p:nvPr>
+            <p:ph type="title"/>
+          </p:nvPr>
+        </p:nvSpPr>
+        <p:spPr/>
+        <p:txBody>
+          <a:bodyPr/>
+          <a:lstStyle/>
+          <a:p>
+            <a:r>
+              <a:rPr lang="en-US" dirty="0" smtClean="0"/>
+              <a:t>Medical Application</a:t>
+            </a:r>
+            <a:endParaRPr lang="en-US" dirty="0"/>
+          </a:p>
+        </p:txBody>
+      </p:sp>
+      <p:sp>
+        <p:nvSpPr>
+          <p:cNvPr id="3" name="Content Placeholder 2"/>
+          <p:cNvSpPr>
+            <a:spLocks noGrp="1"/>
+          </p:cNvSpPr>
+          <p:nvPr>
+            <p:ph idx="1"/>
+          </p:nvPr>
+        </p:nvSpPr>
+        <p:spPr/>
+        <p:txBody>
+          <a:bodyPr/>
+          <a:lstStyle/>
+          <a:p>
+            <a:r>
+              <a:rPr lang="en-US" dirty="0" smtClean="0"/>
+              <a:t>Targeted drug delivery</a:t>
+            </a:r>
+          </a:p>
+          <a:p>
+            <a:r>
+              <a:rPr lang="en-US" dirty="0" smtClean="0"/>
+              <a:t>Cell manipulations</a:t>
+            </a:r>
+          </a:p>
+          <a:p>
+            <a:endParaRPr lang="en-US" dirty="0" smtClean="0"/>
+          </a:p>
+          <a:p>
+            <a:pPr>
+              <a:buNone/>
+            </a:pPr>
+            <a:endParaRPr lang="en-US" dirty="0" smtClean="0"/>
+          </a:p>
+        </p:txBody>
+      </p:sp>
+      <p:pic>
+        <p:nvPicPr>
+          <p:cNvPr id="5" name="Picture 4" descr="nanoJet3.png"/>
+          <p:cNvPicPr>
+            <a:picLocks noChangeAspect="1"/>
+          </p:cNvPicPr>
+          <p:nvPr/>
+        </p:nvPicPr>
+        <p:blipFill>
+          <a:blip r:embed="rId2"/>
+          <a:stretch>
+            <a:fillRect/>
+          </a:stretch>
+        </p:blipFill>
+        <p:spPr>
+          <a:xfrm>
+            <a:off x="5296978" y="1447800"/>
+            <a:ext cx="2551622" cy="1898048"/>
+          </a:xfrm>
+          <a:prstGeom prst="rect">
+            <a:avLst/>
+          </a:prstGeom>
+        </p:spPr>
+      </p:pic>
+      <p:pic>
+        <p:nvPicPr>
+          <p:cNvPr id="6" name="Picture 5" descr="self-controlling.png"/>
+          <p:cNvPicPr>
+            <a:picLocks noChangeAspect="1"/>
+          </p:cNvPicPr>
+          <p:nvPr/>
+        </p:nvPicPr>
+        <p:blipFill>
+          <a:blip r:embed="rId3"/>
+          <a:stretch>
+            <a:fillRect/>
+          </a:stretch>
+        </p:blipFill>
+        <p:spPr>
+          <a:xfrm>
+            <a:off x="381000" y="3505200"/>
+            <a:ext cx="7467600" cy="2362199"/>
+          </a:xfrm>
+          <a:prstGeom prst="rect">
+            <a:avLst/>
+          </a:prstGeom>
+        </p:spPr>
+      </p:pic>
+    </p:spTree>
+  </p:cSld>
+  <p:clrMapOvr>
+    <a:masterClrMapping/>
+  </p:clrMapOvr>
+  <p:timing>
+    <p:tnLst>
+      <p:par>
+        <p:cTn id="1" dur="indefinite" restart="never" nodeType="tmRoot"/>
+      </p:par>
+    </p:tnLst>
+  </p:timing>
+</p:sld>
+</file>
+
+<file path=ppt/slides/slide5.xml><?xml version="1.0" encoding="utf-8"?>
 <p:sld xmlns:a="http://schemas.openxmlformats.org/drawingml/2006/main" xmlns:r="http://schemas.openxmlformats.org/officeDocument/2006/relationships" xmlns:mc="http://schemas.openxmlformats.org/markup-compatibility/2006" xmlns:mv="urn:schemas-microsoft-com:mac:vml" xmlns:p="http://schemas.openxmlformats.org/presentationml/2006/main" mc:Ignorable="mv" mc:PreserveAttributes="mv:*">
   <p:cSld>
     <p:spTree>
@@ -7335,92 +7573,6 @@
           </a:xfrm>
         </p:spPr>
       </p:pic>
-    </p:spTree>
-  </p:cSld>
-  <p:clrMapOvr>
-    <a:masterClrMapping/>
-  </p:clrMapOvr>
-  <p:timing>
-    <p:tnLst>
-      <p:par>
-        <p:cTn id="1" dur="indefinite" restart="never" nodeType="tmRoot"/>
-      </p:par>
-    </p:tnLst>
-  </p:timing>
-</p:sld>
-</file>
-
-<file path=ppt/slides/slide5.xml><?xml version="1.0" encoding="utf-8"?>
-<p:sld xmlns:a="http://schemas.openxmlformats.org/drawingml/2006/main" xmlns:r="http://schemas.openxmlformats.org/officeDocument/2006/relationships" xmlns:mc="http://schemas.openxmlformats.org/markup-compatibility/2006" xmlns:mv="urn:schemas-microsoft-com:mac:vml" xmlns:p="http://schemas.openxmlformats.org/presentationml/2006/main" mc:Ignorable="mv" mc:PreserveAttributes="mv:*">
-  <p:cSld>
-    <p:spTree>
-      <p:nvGrpSpPr>
-        <p:cNvPr id="1" name=""/>
-        <p:cNvGrpSpPr/>
-        <p:nvPr/>
-      </p:nvGrpSpPr>
-      <p:grpSpPr>
-        <a:xfrm>
-          <a:off x="0" y="0"/>
-          <a:ext cx="0" cy="0"/>
-          <a:chOff x="0" y="0"/>
-          <a:chExt cx="0" cy="0"/>
-        </a:xfrm>
-      </p:grpSpPr>
-      <p:sp>
-        <p:nvSpPr>
-          <p:cNvPr id="2" name="Title 1"/>
-          <p:cNvSpPr>
-            <a:spLocks noGrp="1"/>
-          </p:cNvSpPr>
-          <p:nvPr>
-            <p:ph type="title"/>
-          </p:nvPr>
-        </p:nvSpPr>
-        <p:spPr/>
-        <p:txBody>
-          <a:bodyPr/>
-          <a:lstStyle/>
-          <a:p>
-            <a:r>
-              <a:rPr lang="en-US" dirty="0" smtClean="0"/>
-              <a:t>Table </a:t>
-            </a:r>
-            <a:r>
-              <a:rPr lang="en-US" dirty="0" err="1" smtClean="0"/>
-              <a:t>summerise</a:t>
-            </a:r>
-            <a:r>
-              <a:rPr lang="en-US" dirty="0" smtClean="0"/>
-              <a:t> all the </a:t>
-            </a:r>
-            <a:r>
-              <a:rPr lang="en-US" dirty="0" err="1" smtClean="0"/>
-              <a:t>microrobots</a:t>
-            </a:r>
-            <a:endParaRPr lang="en-US" dirty="0"/>
-          </a:p>
-        </p:txBody>
-      </p:sp>
-      <p:sp>
-        <p:nvSpPr>
-          <p:cNvPr id="3" name="Content Placeholder 2"/>
-          <p:cNvSpPr>
-            <a:spLocks noGrp="1"/>
-          </p:cNvSpPr>
-          <p:nvPr>
-            <p:ph idx="1"/>
-          </p:nvPr>
-        </p:nvSpPr>
-        <p:spPr/>
-        <p:txBody>
-          <a:bodyPr/>
-          <a:lstStyle/>
-          <a:p>
-            <a:endParaRPr lang="en-US"/>
-          </a:p>
-        </p:txBody>
-      </p:sp>
     </p:spTree>
   </p:cSld>
   <p:clrMapOvr>
@@ -7673,9 +7825,10 @@
             <a:endParaRPr lang="en-US" dirty="0" smtClean="0"/>
           </a:p>
           <a:p>
-            <a:pPr>
-              <a:buNone/>
-            </a:pPr>
+            <a:r>
+              <a:rPr lang="en-US" dirty="0" smtClean="0"/>
+              <a:t>17 mm long and 0.5 mm thick </a:t>
+            </a:r>
             <a:endParaRPr lang="en-US" dirty="0"/>
           </a:p>
         </p:txBody>
@@ -7720,7 +7873,7 @@
         </p:blipFill>
         <p:spPr>
           <a:xfrm>
-            <a:off x="304800" y="2057400"/>
+            <a:off x="381000" y="2667000"/>
             <a:ext cx="3445224" cy="2388232"/>
           </a:xfrm>
           <a:prstGeom prst="rect">
@@ -7744,7 +7897,7 @@
         </p:blipFill>
         <p:spPr>
           <a:xfrm>
-            <a:off x="4648200" y="914400"/>
+            <a:off x="5334000" y="914400"/>
             <a:ext cx="2438400" cy="2290618"/>
           </a:xfrm>
           <a:prstGeom prst="rect">

--- a/Half_Slide/28May_talk/28MayTalk.pptx
+++ b/Half_Slide/28May_talk/28MayTalk.pptx
@@ -158,7 +158,7 @@
   </p:defaultTextStyle>
   <p:extLst>
     <p:ext uri="{EFAFB233-063F-42B5-8137-9DF3F51BA10A}">
-      <p15:sldGuideLst xmlns:mc="http://schemas.openxmlformats.org/markup-compatibility/2006" xmlns:mv="urn:schemas-microsoft-com:mac:vml" xmlns:p15="http://schemas.microsoft.com/office/powerpoint/2012/main" xmlns:p="http://schemas.openxmlformats.org/presentationml/2006/main" xmlns:r="http://schemas.openxmlformats.org/officeDocument/2006/relationships" xmlns:a="http://schemas.openxmlformats.org/drawingml/2006/main" xmlns="">
+      <p15:sldGuideLst xmlns="" xmlns:a="http://schemas.openxmlformats.org/drawingml/2006/main" xmlns:r="http://schemas.openxmlformats.org/officeDocument/2006/relationships" xmlns:p="http://schemas.openxmlformats.org/presentationml/2006/main" xmlns:p15="http://schemas.microsoft.com/office/powerpoint/2012/main" xmlns:mv="urn:schemas-microsoft-com:mac:vml" xmlns:mc="http://schemas.openxmlformats.org/markup-compatibility/2006">
         <p15:guide id="1" orient="horz" pos="432">
           <p15:clr>
             <a:srgbClr val="A4A3A4"/>
@@ -3208,7 +3208,7 @@
             <a:fld id="{5A21F359-8588-461F-A388-6D577DB94B39}" type="datetimeFigureOut">
               <a:rPr lang="en-GB" smtClean="0"/>
               <a:pPr/>
-              <a:t>5/28/14</a:t>
+              <a:t>9/4/14</a:t>
             </a:fld>
             <a:endParaRPr lang="en-GB"/>
           </a:p>
@@ -3284,7 +3284,7 @@
     </p:spTree>
     <p:extLst>
       <p:ext uri="{BB962C8B-B14F-4D97-AF65-F5344CB8AC3E}">
-        <p14:creationId xmlns:mc="http://schemas.openxmlformats.org/markup-compatibility/2006" xmlns:mv="urn:schemas-microsoft-com:mac:vml" xmlns:p14="http://schemas.microsoft.com/office/powerpoint/2010/main" xmlns:p="http://schemas.openxmlformats.org/presentationml/2006/main" xmlns:r="http://schemas.openxmlformats.org/officeDocument/2006/relationships" xmlns:a="http://schemas.openxmlformats.org/drawingml/2006/main" xmlns="" val="2963115270"/>
+        <p14:creationId xmlns="" xmlns:a="http://schemas.openxmlformats.org/drawingml/2006/main" xmlns:r="http://schemas.openxmlformats.org/officeDocument/2006/relationships" xmlns:p="http://schemas.openxmlformats.org/presentationml/2006/main" xmlns:p14="http://schemas.microsoft.com/office/powerpoint/2010/main" xmlns:mv="urn:schemas-microsoft-com:mac:vml" xmlns:mc="http://schemas.openxmlformats.org/markup-compatibility/2006" val="2963115270"/>
       </p:ext>
     </p:extLst>
   </p:cSld>
@@ -3606,7 +3606,7 @@
     </p:spTree>
     <p:extLst>
       <p:ext uri="{BB962C8B-B14F-4D97-AF65-F5344CB8AC3E}">
-        <p14:creationId xmlns:mc="http://schemas.openxmlformats.org/markup-compatibility/2006" xmlns:mv="urn:schemas-microsoft-com:mac:vml" xmlns:p14="http://schemas.microsoft.com/office/powerpoint/2010/main" xmlns:p="http://schemas.openxmlformats.org/presentationml/2006/main" xmlns:r="http://schemas.openxmlformats.org/officeDocument/2006/relationships" xmlns:a="http://schemas.openxmlformats.org/drawingml/2006/main" xmlns="" val="1342448866"/>
+        <p14:creationId xmlns="" xmlns:a="http://schemas.openxmlformats.org/drawingml/2006/main" xmlns:r="http://schemas.openxmlformats.org/officeDocument/2006/relationships" xmlns:p="http://schemas.openxmlformats.org/presentationml/2006/main" xmlns:p14="http://schemas.microsoft.com/office/powerpoint/2010/main" xmlns:mv="urn:schemas-microsoft-com:mac:vml" xmlns:mc="http://schemas.openxmlformats.org/markup-compatibility/2006" val="1342448866"/>
       </p:ext>
     </p:extLst>
   </p:cSld>
@@ -3821,7 +3821,7 @@
     </p:spTree>
     <p:extLst>
       <p:ext uri="{BB962C8B-B14F-4D97-AF65-F5344CB8AC3E}">
-        <p14:creationId xmlns:mc="http://schemas.openxmlformats.org/markup-compatibility/2006" xmlns:mv="urn:schemas-microsoft-com:mac:vml" xmlns:p14="http://schemas.microsoft.com/office/powerpoint/2010/main" xmlns:p="http://schemas.openxmlformats.org/presentationml/2006/main" xmlns:r="http://schemas.openxmlformats.org/officeDocument/2006/relationships" xmlns:a="http://schemas.openxmlformats.org/drawingml/2006/main" xmlns="" val="1500201246"/>
+        <p14:creationId xmlns="" xmlns:a="http://schemas.openxmlformats.org/drawingml/2006/main" xmlns:r="http://schemas.openxmlformats.org/officeDocument/2006/relationships" xmlns:p="http://schemas.openxmlformats.org/presentationml/2006/main" xmlns:p14="http://schemas.microsoft.com/office/powerpoint/2010/main" xmlns:mv="urn:schemas-microsoft-com:mac:vml" xmlns:mc="http://schemas.openxmlformats.org/markup-compatibility/2006" val="1500201246"/>
       </p:ext>
     </p:extLst>
   </p:cSld>
@@ -8868,7 +8868,7 @@
   </a:extraClrSchemeLst>
   <a:extLst>
     <a:ext uri="{05A4C25C-085E-4340-85A3-A5531E510DB2}">
-      <thm15:themeFamily xmlns:thm15="http://schemas.microsoft.com/office/thememl/2012/main" xmlns:a="http://schemas.openxmlformats.org/drawingml/2006/main" xmlns="" name="BSN Introduction - handouts.pptx" id="{D583ECBF-25F7-44BC-A463-92ED534B4D14}" vid="{CAD8ECF4-B4EF-4EE2-88FE-F499053A075C}"/>
+      <thm15:themeFamily xmlns="" xmlns:a="http://schemas.openxmlformats.org/drawingml/2006/main" xmlns:thm15="http://schemas.microsoft.com/office/thememl/2012/main" name="BSN Introduction - handouts.pptx" id="{D583ECBF-25F7-44BC-A463-92ED534B4D14}" vid="{CAD8ECF4-B4EF-4EE2-88FE-F499053A075C}"/>
     </a:ext>
   </a:extLst>
 </a:theme>
